--- a/동아리/12월 8일 컨퍼런스.pptx
+++ b/동아리/12월 8일 컨퍼런스.pptx
@@ -108,6 +108,11 @@
       </a:defRPr>
     </a:lvl9pPr>
   </p:defaultTextStyle>
+  <p:extLst>
+    <p:ext uri="{EFAFB233-063F-42B5-8137-9DF3F51BA10A}">
+      <p15:sldGuideLst xmlns:p15="http://schemas.microsoft.com/office/powerpoint/2012/main"/>
+    </p:ext>
+  </p:extLst>
 </p:presentation>
 </file>
 
@@ -193,7 +198,7 @@
           <a:p>
             <a:fld id="{6B371A1B-FCEB-914D-8668-B2762DFF57DF}" type="datetimeFigureOut">
               <a:rPr kumimoji="1" lang="ko-KR" altLang="en-US" smtClean="0"/>
-              <a:t>2021. 12. 3.</a:t>
+              <a:t>2021. 12. 4.</a:t>
             </a:fld>
             <a:endParaRPr kumimoji="1" lang="ko-KR" altLang="en-US"/>
           </a:p>
@@ -505,76 +510,25 @@
           <a:lstStyle/>
           <a:p>
             <a:r>
-              <a:rPr kumimoji="1" lang="ko-KR" altLang="en-US" dirty="0"/>
-              <a:t>안녕하세요</a:t>
+              <a:rPr kumimoji="1" lang="en-US" altLang="ko-KR"/>
+              <a:t>Hello</a:t>
             </a:r>
             <a:r>
               <a:rPr kumimoji="1" lang="en-US" altLang="ko-KR" dirty="0"/>
-              <a:t>.</a:t>
-            </a:r>
-            <a:r>
-              <a:rPr kumimoji="1" lang="ko-KR" altLang="en-US" dirty="0"/>
-              <a:t> 서울공업고등학교 </a:t>
-            </a:r>
-            <a:r>
-              <a:rPr kumimoji="1" lang="ko-KR" altLang="en-US" dirty="0" err="1"/>
-              <a:t>전기전자과</a:t>
-            </a:r>
-            <a:r>
-              <a:rPr kumimoji="1" lang="ko-KR" altLang="en-US" dirty="0"/>
-              <a:t> </a:t>
-            </a:r>
-            <a:r>
-              <a:rPr kumimoji="1" lang="en-US" altLang="ko-KR" dirty="0"/>
-              <a:t>2</a:t>
-            </a:r>
-            <a:r>
-              <a:rPr kumimoji="1" lang="ko-KR" altLang="en-US" dirty="0"/>
-              <a:t>학년 재학생 </a:t>
-            </a:r>
-            <a:r>
-              <a:rPr kumimoji="1" lang="ko-KR" altLang="en-US" dirty="0" err="1"/>
-              <a:t>정지원입니다</a:t>
-            </a:r>
-            <a:r>
-              <a:rPr kumimoji="1" lang="en-US" altLang="ko-KR" dirty="0"/>
-              <a:t>.</a:t>
-            </a:r>
-            <a:r>
-              <a:rPr kumimoji="1" lang="ko-KR" altLang="en-US" dirty="0"/>
-              <a:t> </a:t>
+              <a:t>, my name is Ji-won Chung</a:t>
+            </a:r>
+            <a:r>
+              <a:rPr lang="en" altLang="ko-KR" dirty="0"/>
+              <a:t>I am a sophomore in the Department of Electrical and Electronics at Seoul Technical High School.</a:t>
             </a:r>
             <a:endParaRPr kumimoji="1" lang="en-US" altLang="ko-KR" dirty="0"/>
           </a:p>
           <a:p>
             <a:r>
-              <a:rPr kumimoji="1" lang="ko-KR" altLang="en-US" dirty="0"/>
-              <a:t>저희 전기전자과는 전자기기 제어 및 제작</a:t>
-            </a:r>
-            <a:r>
-              <a:rPr kumimoji="1" lang="en-US" altLang="ko-KR" dirty="0"/>
-              <a:t>,</a:t>
-            </a:r>
-            <a:r>
-              <a:rPr kumimoji="1" lang="ko-KR" altLang="en-US" dirty="0"/>
-              <a:t> 자동 제어 설비</a:t>
-            </a:r>
-            <a:r>
-              <a:rPr kumimoji="1" lang="en-US" altLang="ko-KR" dirty="0"/>
-              <a:t>,</a:t>
-            </a:r>
-            <a:r>
-              <a:rPr kumimoji="1" lang="ko-KR" altLang="en-US" dirty="0"/>
-              <a:t> 전기 배선 설비 유지 및 보수에 관한 교육과 실습을 한다</a:t>
-            </a:r>
-            <a:r>
-              <a:rPr kumimoji="1" lang="en-US" altLang="ko-KR" dirty="0"/>
-              <a:t>.</a:t>
-            </a:r>
-            <a:r>
-              <a:rPr kumimoji="1" lang="ko-KR" altLang="en-US" dirty="0"/>
-              <a:t> </a:t>
-            </a:r>
+              <a:rPr kumimoji="1" lang="en" altLang="ko-KR" dirty="0"/>
+              <a:t>Our department provides education and practice on electronic device control and manufacturing, automatic control equipment, and electrical wiring equipment maintenance and repair.</a:t>
+            </a:r>
+            <a:endParaRPr kumimoji="1" lang="ko-KR" altLang="en-US" dirty="0"/>
           </a:p>
         </p:txBody>
       </p:sp>
@@ -659,55 +613,15 @@
           <a:lstStyle/>
           <a:p>
             <a:r>
-              <a:rPr kumimoji="1" lang="en-US" altLang="ko-KR" dirty="0"/>
-              <a:t>2</a:t>
-            </a:r>
-            <a:r>
-              <a:rPr kumimoji="1" lang="ko-KR" altLang="en-US" dirty="0"/>
-              <a:t>학년 </a:t>
-            </a:r>
-            <a:r>
-              <a:rPr kumimoji="1" lang="en-US" altLang="ko-KR" dirty="0"/>
-              <a:t>2</a:t>
-            </a:r>
-            <a:r>
-              <a:rPr kumimoji="1" lang="ko-KR" altLang="en-US" dirty="0"/>
-              <a:t>학기에는 프로젝트 수업이라고</a:t>
-            </a:r>
-            <a:r>
-              <a:rPr kumimoji="1" lang="en-US" altLang="ko-KR" dirty="0"/>
-              <a:t>,</a:t>
-            </a:r>
-            <a:r>
-              <a:rPr kumimoji="1" lang="ko-KR" altLang="en-US" dirty="0"/>
-              <a:t> 학생들이 주도적으로 과제를 설정하고 수행해가는 수업을 하며 사회의 일원이 되는 수업을 진행합니다</a:t>
-            </a:r>
-            <a:r>
-              <a:rPr kumimoji="1" lang="en-US" altLang="ko-KR" dirty="0"/>
-              <a:t>.</a:t>
-            </a:r>
-            <a:r>
-              <a:rPr kumimoji="1" lang="ko-KR" altLang="en-US" dirty="0"/>
-              <a:t> </a:t>
-            </a:r>
-            <a:endParaRPr kumimoji="1" lang="en-US" altLang="ko-KR" dirty="0"/>
-          </a:p>
-          <a:p>
-            <a:r>
-              <a:rPr kumimoji="1" lang="ko-KR" altLang="en-US" dirty="0"/>
-              <a:t>얼마전 했는데 아주 인상적이었다</a:t>
-            </a:r>
-            <a:r>
-              <a:rPr kumimoji="1" lang="en-US" altLang="ko-KR" dirty="0"/>
-              <a:t>.</a:t>
-            </a:r>
-            <a:r>
-              <a:rPr kumimoji="1" lang="ko-KR" altLang="en-US" dirty="0"/>
-              <a:t> </a:t>
-            </a:r>
-            <a:endParaRPr kumimoji="1" lang="en-US" altLang="ko-KR"/>
-          </a:p>
-          <a:p>
+              <a:rPr kumimoji="1" lang="en" altLang="ko-KR" dirty="0"/>
+              <a:t>In the second semester of the sophomore year, project classes are held, where students take the initiative to set up and carry out tasks and practice becoming a member of society.</a:t>
+            </a:r>
+          </a:p>
+          <a:p>
+            <a:r>
+              <a:rPr kumimoji="1" lang="en" altLang="ko-KR" dirty="0"/>
+              <a:t>I did it a while ago, and it was impressive.</a:t>
+            </a:r>
             <a:endParaRPr kumimoji="1" lang="ko-KR" altLang="en-US" dirty="0"/>
           </a:p>
         </p:txBody>
@@ -895,7 +809,7 @@
           <a:p>
             <a:fld id="{E0AC73E8-1B8C-BE46-BDB3-A91120808E25}" type="datetimeFigureOut">
               <a:rPr kumimoji="1" lang="ko-KR" altLang="en-US" smtClean="0"/>
-              <a:t>2021. 12. 3.</a:t>
+              <a:t>2021. 12. 4.</a:t>
             </a:fld>
             <a:endParaRPr kumimoji="1" lang="ko-KR" altLang="en-US"/>
           </a:p>
@@ -1093,7 +1007,7 @@
           <a:p>
             <a:fld id="{E0AC73E8-1B8C-BE46-BDB3-A91120808E25}" type="datetimeFigureOut">
               <a:rPr kumimoji="1" lang="ko-KR" altLang="en-US" smtClean="0"/>
-              <a:t>2021. 12. 3.</a:t>
+              <a:t>2021. 12. 4.</a:t>
             </a:fld>
             <a:endParaRPr kumimoji="1" lang="ko-KR" altLang="en-US"/>
           </a:p>
@@ -1301,7 +1215,7 @@
           <a:p>
             <a:fld id="{E0AC73E8-1B8C-BE46-BDB3-A91120808E25}" type="datetimeFigureOut">
               <a:rPr kumimoji="1" lang="ko-KR" altLang="en-US" smtClean="0"/>
-              <a:t>2021. 12. 3.</a:t>
+              <a:t>2021. 12. 4.</a:t>
             </a:fld>
             <a:endParaRPr kumimoji="1" lang="ko-KR" altLang="en-US"/>
           </a:p>
@@ -1499,7 +1413,7 @@
           <a:p>
             <a:fld id="{E0AC73E8-1B8C-BE46-BDB3-A91120808E25}" type="datetimeFigureOut">
               <a:rPr kumimoji="1" lang="ko-KR" altLang="en-US" smtClean="0"/>
-              <a:t>2021. 12. 3.</a:t>
+              <a:t>2021. 12. 4.</a:t>
             </a:fld>
             <a:endParaRPr kumimoji="1" lang="ko-KR" altLang="en-US"/>
           </a:p>
@@ -1774,7 +1688,7 @@
           <a:p>
             <a:fld id="{E0AC73E8-1B8C-BE46-BDB3-A91120808E25}" type="datetimeFigureOut">
               <a:rPr kumimoji="1" lang="ko-KR" altLang="en-US" smtClean="0"/>
-              <a:t>2021. 12. 3.</a:t>
+              <a:t>2021. 12. 4.</a:t>
             </a:fld>
             <a:endParaRPr kumimoji="1" lang="ko-KR" altLang="en-US"/>
           </a:p>
@@ -2039,7 +1953,7 @@
           <a:p>
             <a:fld id="{E0AC73E8-1B8C-BE46-BDB3-A91120808E25}" type="datetimeFigureOut">
               <a:rPr kumimoji="1" lang="ko-KR" altLang="en-US" smtClean="0"/>
-              <a:t>2021. 12. 3.</a:t>
+              <a:t>2021. 12. 4.</a:t>
             </a:fld>
             <a:endParaRPr kumimoji="1" lang="ko-KR" altLang="en-US"/>
           </a:p>
@@ -2451,7 +2365,7 @@
           <a:p>
             <a:fld id="{E0AC73E8-1B8C-BE46-BDB3-A91120808E25}" type="datetimeFigureOut">
               <a:rPr kumimoji="1" lang="ko-KR" altLang="en-US" smtClean="0"/>
-              <a:t>2021. 12. 3.</a:t>
+              <a:t>2021. 12. 4.</a:t>
             </a:fld>
             <a:endParaRPr kumimoji="1" lang="ko-KR" altLang="en-US"/>
           </a:p>
@@ -2592,7 +2506,7 @@
           <a:p>
             <a:fld id="{E0AC73E8-1B8C-BE46-BDB3-A91120808E25}" type="datetimeFigureOut">
               <a:rPr kumimoji="1" lang="ko-KR" altLang="en-US" smtClean="0"/>
-              <a:t>2021. 12. 3.</a:t>
+              <a:t>2021. 12. 4.</a:t>
             </a:fld>
             <a:endParaRPr kumimoji="1" lang="ko-KR" altLang="en-US"/>
           </a:p>
@@ -2705,7 +2619,7 @@
           <a:p>
             <a:fld id="{E0AC73E8-1B8C-BE46-BDB3-A91120808E25}" type="datetimeFigureOut">
               <a:rPr kumimoji="1" lang="ko-KR" altLang="en-US" smtClean="0"/>
-              <a:t>2021. 12. 3.</a:t>
+              <a:t>2021. 12. 4.</a:t>
             </a:fld>
             <a:endParaRPr kumimoji="1" lang="ko-KR" altLang="en-US"/>
           </a:p>
@@ -3016,7 +2930,7 @@
           <a:p>
             <a:fld id="{E0AC73E8-1B8C-BE46-BDB3-A91120808E25}" type="datetimeFigureOut">
               <a:rPr kumimoji="1" lang="ko-KR" altLang="en-US" smtClean="0"/>
-              <a:t>2021. 12. 3.</a:t>
+              <a:t>2021. 12. 4.</a:t>
             </a:fld>
             <a:endParaRPr kumimoji="1" lang="ko-KR" altLang="en-US"/>
           </a:p>
@@ -3304,7 +3218,7 @@
           <a:p>
             <a:fld id="{E0AC73E8-1B8C-BE46-BDB3-A91120808E25}" type="datetimeFigureOut">
               <a:rPr kumimoji="1" lang="ko-KR" altLang="en-US" smtClean="0"/>
-              <a:t>2021. 12. 3.</a:t>
+              <a:t>2021. 12. 4.</a:t>
             </a:fld>
             <a:endParaRPr kumimoji="1" lang="ko-KR" altLang="en-US"/>
           </a:p>
@@ -3545,7 +3459,7 @@
           <a:p>
             <a:fld id="{E0AC73E8-1B8C-BE46-BDB3-A91120808E25}" type="datetimeFigureOut">
               <a:rPr kumimoji="1" lang="ko-KR" altLang="en-US" smtClean="0"/>
-              <a:t>2021. 12. 3.</a:t>
+              <a:t>2021. 12. 4.</a:t>
             </a:fld>
             <a:endParaRPr kumimoji="1" lang="ko-KR" altLang="en-US"/>
           </a:p>
@@ -3964,10 +3878,10 @@
       </p:grpSpPr>
       <p:pic>
         <p:nvPicPr>
-          <p:cNvPr id="5" name="내용 개체 틀 4">
-            <a:extLst>
-              <a:ext uri="{FF2B5EF4-FFF2-40B4-BE49-F238E27FC236}">
-                <a16:creationId xmlns:a16="http://schemas.microsoft.com/office/drawing/2014/main" id="{B6EE56C9-6CAD-844C-9096-9D98EFD55BC0}"/>
+          <p:cNvPr id="6" name="내용 개체 틀 5">
+            <a:extLst>
+              <a:ext uri="{FF2B5EF4-FFF2-40B4-BE49-F238E27FC236}">
+                <a16:creationId xmlns:a16="http://schemas.microsoft.com/office/drawing/2014/main" id="{6B26EB60-5E54-784F-82A6-3023A7361C6A}"/>
               </a:ext>
             </a:extLst>
           </p:cNvPr>
@@ -3986,8 +3900,8 @@
         </p:blipFill>
         <p:spPr>
           <a:xfrm>
-            <a:off x="669424" y="349051"/>
-            <a:ext cx="10853152" cy="6159897"/>
+            <a:off x="3567858" y="323742"/>
+            <a:ext cx="5056283" cy="6210516"/>
           </a:xfrm>
         </p:spPr>
       </p:pic>
